--- a/Angular-Days.pptx
+++ b/Angular-Days.pptx
@@ -5242,8 +5242,8 @@
         </p:nvSpPr>
         <p:spPr>
           <a:xfrm>
-            <a:off x="24319" y="1136489"/>
-            <a:ext cx="9947266" cy="1228725"/>
+            <a:off x="0" y="1062323"/>
+            <a:ext cx="17759884" cy="1228725"/>
           </a:xfrm>
           <a:prstGeom prst="rect">
             <a:avLst/>
@@ -5292,8 +5292,8 @@
         </p:nvSpPr>
         <p:spPr>
           <a:xfrm>
-            <a:off x="572089" y="2455725"/>
-            <a:ext cx="9127922" cy="6863417"/>
+            <a:off x="404340" y="2171700"/>
+            <a:ext cx="12381911" cy="7602081"/>
           </a:xfrm>
           <a:prstGeom prst="rect">
             <a:avLst/>
@@ -5311,7 +5311,7 @@
               <a:buChar char="•"/>
             </a:pPr>
             <a:r>
-              <a:rPr lang="en-US" sz="8800" dirty="0">
+              <a:rPr lang="en-US" sz="8000" dirty="0">
                 <a:solidFill>
                   <a:schemeClr val="bg1"/>
                 </a:solidFill>
@@ -5325,7 +5325,7 @@
               <a:buChar char="•"/>
             </a:pPr>
             <a:r>
-              <a:rPr lang="en-US" sz="8800" dirty="0">
+              <a:rPr lang="en-US" sz="8000" dirty="0">
                 <a:solidFill>
                   <a:schemeClr val="bg1"/>
                 </a:solidFill>
@@ -5339,7 +5339,7 @@
               <a:buChar char="•"/>
             </a:pPr>
             <a:r>
-              <a:rPr lang="en-US" sz="8800" dirty="0">
+              <a:rPr lang="en-US" sz="8000" dirty="0">
                 <a:solidFill>
                   <a:schemeClr val="bg1"/>
                 </a:solidFill>
@@ -5353,7 +5353,7 @@
               <a:buChar char="•"/>
             </a:pPr>
             <a:r>
-              <a:rPr lang="en-US" sz="8800" dirty="0">
+              <a:rPr lang="en-US" sz="8000" dirty="0">
                 <a:solidFill>
                   <a:schemeClr val="bg1"/>
                 </a:solidFill>
@@ -5367,7 +5367,34 @@
               <a:buChar char="•"/>
             </a:pPr>
             <a:r>
-              <a:rPr lang="en-US" sz="8800" dirty="0">
+              <a:rPr lang="en-US" sz="8000" dirty="0">
+                <a:solidFill>
+                  <a:schemeClr val="bg1"/>
+                </a:solidFill>
+              </a:rPr>
+              <a:t>Redux </a:t>
+            </a:r>
+            <a:r>
+              <a:rPr lang="en-US" sz="6000" dirty="0">
+                <a:solidFill>
+                  <a:schemeClr val="bg1"/>
+                </a:solidFill>
+              </a:rPr>
+              <a:t>(old)</a:t>
+            </a:r>
+            <a:endParaRPr lang="en-US" sz="8000" dirty="0">
+              <a:solidFill>
+                <a:schemeClr val="bg1"/>
+              </a:solidFill>
+            </a:endParaRPr>
+          </a:p>
+          <a:p>
+            <a:pPr marL="914400" lvl="1" indent="-457200">
+              <a:buFont typeface="Arial" panose="020B0604020202020204" pitchFamily="34" charset="0"/>
+              <a:buChar char="•"/>
+            </a:pPr>
+            <a:r>
+              <a:rPr lang="en-US" sz="8000" dirty="0">
                 <a:solidFill>
                   <a:schemeClr val="bg1"/>
                 </a:solidFill>
@@ -5620,6 +5647,55 @@
                                           <p:spTgt spid="31">
                                             <p:txEl>
                                               <p:pRg st="4" end="4"/>
+                                            </p:txEl>
+                                          </p:spTgt>
+                                        </p:tgtEl>
+                                        <p:attrNameLst>
+                                          <p:attrName>style.visibility</p:attrName>
+                                        </p:attrNameLst>
+                                      </p:cBhvr>
+                                      <p:to>
+                                        <p:strVal val="visible"/>
+                                      </p:to>
+                                    </p:set>
+                                  </p:childTnLst>
+                                </p:cTn>
+                              </p:par>
+                            </p:childTnLst>
+                          </p:cTn>
+                        </p:par>
+                      </p:childTnLst>
+                    </p:cTn>
+                  </p:par>
+                  <p:par>
+                    <p:cTn id="23" fill="hold">
+                      <p:stCondLst>
+                        <p:cond delay="indefinite"/>
+                      </p:stCondLst>
+                      <p:childTnLst>
+                        <p:par>
+                          <p:cTn id="24" fill="hold">
+                            <p:stCondLst>
+                              <p:cond delay="0"/>
+                            </p:stCondLst>
+                            <p:childTnLst>
+                              <p:par>
+                                <p:cTn id="25" presetID="1" presetClass="entr" presetSubtype="0" fill="hold" grpId="0" nodeType="clickEffect">
+                                  <p:stCondLst>
+                                    <p:cond delay="0"/>
+                                  </p:stCondLst>
+                                  <p:childTnLst>
+                                    <p:set>
+                                      <p:cBhvr>
+                                        <p:cTn id="26" dur="1" fill="hold">
+                                          <p:stCondLst>
+                                            <p:cond delay="0"/>
+                                          </p:stCondLst>
+                                        </p:cTn>
+                                        <p:tgtEl>
+                                          <p:spTgt spid="31">
+                                            <p:txEl>
+                                              <p:pRg st="5" end="5"/>
                                             </p:txEl>
                                           </p:spTgt>
                                         </p:tgtEl>
